--- a/Lessons/Lesson 2-6 - DP2.1.12 - Truth Tables.pptx
+++ b/Lessons/Lesson 2-6 - DP2.1.12 - Truth Tables.pptx
@@ -145,7 +145,7 @@
   <pc:docChgLst>
     <pc:chgData name="Michael Hill" userId="41dba03d-e58d-4389-9894-554c10310ba4" providerId="ADAL" clId="{567C4C47-9D23-455D-99AC-48F94E020607}"/>
     <pc:docChg chg="undo custSel addSld delSld modSld sldOrd">
-      <pc:chgData name="Michael Hill" userId="41dba03d-e58d-4389-9894-554c10310ba4" providerId="ADAL" clId="{567C4C47-9D23-455D-99AC-48F94E020607}" dt="2025-01-13T18:33:48.571" v="4166" actId="20577"/>
+      <pc:chgData name="Michael Hill" userId="41dba03d-e58d-4389-9894-554c10310ba4" providerId="ADAL" clId="{567C4C47-9D23-455D-99AC-48F94E020607}" dt="2025-02-06T15:18:52.193" v="4193" actId="20577"/>
       <pc:docMkLst>
         <pc:docMk/>
       </pc:docMkLst>
@@ -769,7 +769,7 @@
         </pc:sldMkLst>
       </pc:sldChg>
       <pc:sldChg chg="modSp add mod">
-        <pc:chgData name="Michael Hill" userId="41dba03d-e58d-4389-9894-554c10310ba4" providerId="ADAL" clId="{567C4C47-9D23-455D-99AC-48F94E020607}" dt="2025-01-13T18:33:46.231" v="4165" actId="20577"/>
+        <pc:chgData name="Michael Hill" userId="41dba03d-e58d-4389-9894-554c10310ba4" providerId="ADAL" clId="{567C4C47-9D23-455D-99AC-48F94E020607}" dt="2025-02-06T15:18:52.193" v="4193" actId="20577"/>
         <pc:sldMkLst>
           <pc:docMk/>
           <pc:sldMk cId="3426955436" sldId="463"/>
@@ -783,7 +783,7 @@
           </ac:spMkLst>
         </pc:spChg>
         <pc:spChg chg="mod">
-          <ac:chgData name="Michael Hill" userId="41dba03d-e58d-4389-9894-554c10310ba4" providerId="ADAL" clId="{567C4C47-9D23-455D-99AC-48F94E020607}" dt="2025-01-07T20:37:48.768" v="3776" actId="20577"/>
+          <ac:chgData name="Michael Hill" userId="41dba03d-e58d-4389-9894-554c10310ba4" providerId="ADAL" clId="{567C4C47-9D23-455D-99AC-48F94E020607}" dt="2025-02-06T15:18:52.193" v="4193" actId="20577"/>
           <ac:spMkLst>
             <pc:docMk/>
             <pc:sldMk cId="3426955436" sldId="463"/>
@@ -1004,7 +1004,7 @@
           <a:p>
             <a:fld id="{3B4DDA48-E58B-4B8E-8E38-4CDAF2E248C9}" type="datetimeFigureOut">
               <a:rPr lang="en-US" smtClean="0"/>
-              <a:t>1/13/2025</a:t>
+              <a:t>2/6/2025</a:t>
             </a:fld>
             <a:endParaRPr lang="en-US"/>
           </a:p>
@@ -1202,7 +1202,7 @@
           <a:p>
             <a:fld id="{3B4DDA48-E58B-4B8E-8E38-4CDAF2E248C9}" type="datetimeFigureOut">
               <a:rPr lang="en-US" smtClean="0"/>
-              <a:t>1/13/2025</a:t>
+              <a:t>2/6/2025</a:t>
             </a:fld>
             <a:endParaRPr lang="en-US"/>
           </a:p>
@@ -1410,7 +1410,7 @@
           <a:p>
             <a:fld id="{3B4DDA48-E58B-4B8E-8E38-4CDAF2E248C9}" type="datetimeFigureOut">
               <a:rPr lang="en-US" smtClean="0"/>
-              <a:t>1/13/2025</a:t>
+              <a:t>2/6/2025</a:t>
             </a:fld>
             <a:endParaRPr lang="en-US"/>
           </a:p>
@@ -1608,7 +1608,7 @@
           <a:p>
             <a:fld id="{3B4DDA48-E58B-4B8E-8E38-4CDAF2E248C9}" type="datetimeFigureOut">
               <a:rPr lang="en-US" smtClean="0"/>
-              <a:t>1/13/2025</a:t>
+              <a:t>2/6/2025</a:t>
             </a:fld>
             <a:endParaRPr lang="en-US"/>
           </a:p>
@@ -1883,7 +1883,7 @@
           <a:p>
             <a:fld id="{3B4DDA48-E58B-4B8E-8E38-4CDAF2E248C9}" type="datetimeFigureOut">
               <a:rPr lang="en-US" smtClean="0"/>
-              <a:t>1/13/2025</a:t>
+              <a:t>2/6/2025</a:t>
             </a:fld>
             <a:endParaRPr lang="en-US"/>
           </a:p>
@@ -2148,7 +2148,7 @@
           <a:p>
             <a:fld id="{3B4DDA48-E58B-4B8E-8E38-4CDAF2E248C9}" type="datetimeFigureOut">
               <a:rPr lang="en-US" smtClean="0"/>
-              <a:t>1/13/2025</a:t>
+              <a:t>2/6/2025</a:t>
             </a:fld>
             <a:endParaRPr lang="en-US"/>
           </a:p>
@@ -2560,7 +2560,7 @@
           <a:p>
             <a:fld id="{3B4DDA48-E58B-4B8E-8E38-4CDAF2E248C9}" type="datetimeFigureOut">
               <a:rPr lang="en-US" smtClean="0"/>
-              <a:t>1/13/2025</a:t>
+              <a:t>2/6/2025</a:t>
             </a:fld>
             <a:endParaRPr lang="en-US"/>
           </a:p>
@@ -2701,7 +2701,7 @@
           <a:p>
             <a:fld id="{3B4DDA48-E58B-4B8E-8E38-4CDAF2E248C9}" type="datetimeFigureOut">
               <a:rPr lang="en-US" smtClean="0"/>
-              <a:t>1/13/2025</a:t>
+              <a:t>2/6/2025</a:t>
             </a:fld>
             <a:endParaRPr lang="en-US"/>
           </a:p>
@@ -2814,7 +2814,7 @@
           <a:p>
             <a:fld id="{3B4DDA48-E58B-4B8E-8E38-4CDAF2E248C9}" type="datetimeFigureOut">
               <a:rPr lang="en-US" smtClean="0"/>
-              <a:t>1/13/2025</a:t>
+              <a:t>2/6/2025</a:t>
             </a:fld>
             <a:endParaRPr lang="en-US"/>
           </a:p>
@@ -3125,7 +3125,7 @@
           <a:p>
             <a:fld id="{3B4DDA48-E58B-4B8E-8E38-4CDAF2E248C9}" type="datetimeFigureOut">
               <a:rPr lang="en-US" smtClean="0"/>
-              <a:t>1/13/2025</a:t>
+              <a:t>2/6/2025</a:t>
             </a:fld>
             <a:endParaRPr lang="en-US"/>
           </a:p>
@@ -3413,7 +3413,7 @@
           <a:p>
             <a:fld id="{3B4DDA48-E58B-4B8E-8E38-4CDAF2E248C9}" type="datetimeFigureOut">
               <a:rPr lang="en-US" smtClean="0"/>
-              <a:t>1/13/2025</a:t>
+              <a:t>2/6/2025</a:t>
             </a:fld>
             <a:endParaRPr lang="en-US"/>
           </a:p>
@@ -3654,7 +3654,7 @@
           <a:p>
             <a:fld id="{3B4DDA48-E58B-4B8E-8E38-4CDAF2E248C9}" type="datetimeFigureOut">
               <a:rPr lang="en-US" smtClean="0"/>
-              <a:t>1/13/2025</a:t>
+              <a:t>2/6/2025</a:t>
             </a:fld>
             <a:endParaRPr lang="en-US"/>
           </a:p>
@@ -19562,7 +19562,7 @@
         </p:spPr>
         <p:txBody>
           <a:bodyPr>
-            <a:normAutofit fontScale="92500" lnSpcReduction="10000"/>
+            <a:normAutofit lnSpcReduction="10000"/>
           </a:bodyPr>
           <a:lstStyle/>
           <a:p>
@@ -19710,21 +19710,7 @@
                   <a:schemeClr val="bg1"/>
                 </a:solidFill>
               </a:rPr>
-              <a:t>(p v q) ^ r = (p ^ r) v (q ^ r)</a:t>
-            </a:r>
-          </a:p>
-          <a:p>
-            <a:pPr marL="800100" lvl="1" indent="-342900" algn="l">
-              <a:buFont typeface="Arial" panose="020B0604020202020204" pitchFamily="34" charset="0"/>
-              <a:buChar char="•"/>
-            </a:pPr>
-            <a:r>
-              <a:rPr lang="en-US" sz="2400" dirty="0">
-                <a:solidFill>
-                  <a:schemeClr val="bg1"/>
-                </a:solidFill>
-              </a:rPr>
-              <a:t>(p ^ q) ^ r = (p ^ r) ^ (q ^ r)</a:t>
+              <a:t>~(p v q) = ~p v ~q</a:t>
             </a:r>
           </a:p>
           <a:p>
